--- a/lib/pptx/test/test10.pptx
+++ b/lib/pptx/test/test10.pptx
@@ -5567,7 +5567,7 @@
         </p:nvSpPr>
         <p:spPr>
           <a:xfrm>
-            <a:off x="311708" y="744575"/>
+            <a:off x="0" y="0"/>
             <a:ext cx="8520600" cy="2052600"/>
           </a:xfrm>
           <a:prstGeom prst="rect">
@@ -5590,7 +5590,12 @@
               <a:buNone/>
             </a:pPr>
             <a:r>
-              <a:t/>
+              <a:t>this is title</a:t>
+              <a:rPr sz="4000">
+                <a:solidFill>
+                  <a:srgbClr val="FF0000"/>
+                </a:solidFill>
+              </a:rPr>
             </a:r>
             <a:endParaRPr/>
           </a:p>
@@ -5629,7 +5634,174 @@
               <a:buNone/>
             </a:pPr>
             <a:r>
-              <a:t/>
+              <a:t>this is subtitle</a:t>
+            </a:r>
+            <a:endParaRPr/>
+          </a:p>
+        </p:txBody>
+      </p:sp>
+      <p:sp>
+        <p:nvSpPr>
+          <p:cNvPr id="55" name="Google Shape;55;p13"/>
+          <p:cNvSpPr txBox="1"/>
+          <p:nvPr>
+            <p:ph idx="1" type="subTitle"/>
+          </p:nvPr>
+        </p:nvSpPr>
+        <p:spPr>
+          <a:xfrm>
+            <a:off x="311700" y="3190175"/>
+            <a:ext cx="8520600" cy="792600"/>
+          </a:xfrm>
+          <a:prstGeom prst="rect">
+            <a:avLst/>
+          </a:prstGeom>
+        </p:spPr>
+        <p:txBody>
+          <a:bodyPr anchorCtr="0" anchor="t" bIns="91425" lIns="91425" spcFirstLastPara="1" rIns="91425" wrap="square" tIns="91425">
+            <a:normAutofit/>
+          </a:bodyPr>
+          <a:lstStyle/>
+          <a:p>
+            <a:pPr indent="0" lvl="0" marL="0" rtl="0" algn="ctr">
+              <a:spcBef>
+                <a:spcPts val="0"/>
+              </a:spcBef>
+              <a:spcAft>
+                <a:spcPts val="0"/>
+              </a:spcAft>
+              <a:buNone/>
+            </a:pPr>
+            <a:r>
+              <a:t>this is text</a:t>
+              <a:rPr sz="1500">
+                <a:solidFill>
+                  <a:srgbClr val="FF0000"/>
+                </a:solidFill>
+              </a:rPr>
+            </a:r>
+            <a:endParaRPr/>
+          </a:p>
+        </p:txBody>
+      </p:sp>
+      <p:sp>
+        <p:nvSpPr>
+          <p:cNvPr id="55" name="Google Shape;55;p13"/>
+          <p:cNvSpPr txBox="1"/>
+          <p:nvPr>
+            <p:ph idx="1" type="subTitle"/>
+          </p:nvPr>
+        </p:nvSpPr>
+        <p:spPr>
+          <a:xfrm>
+            <a:off x="0" y="0"/>
+            <a:ext cx="8520600" cy="792600"/>
+          </a:xfrm>
+          <a:prstGeom prst="rect">
+            <a:avLst/>
+          </a:prstGeom>
+        </p:spPr>
+        <p:txBody>
+          <a:bodyPr anchorCtr="0" anchor="t" bIns="91425" lIns="91425" spcFirstLastPara="1" rIns="91425" wrap="square" tIns="91425">
+            <a:normAutofit/>
+          </a:bodyPr>
+          <a:lstStyle/>
+          <a:p>
+            <a:pPr indent="0" lvl="0" marL="0" rtl="0" algn="ctr">
+              <a:spcBef>
+                <a:spcPts val="0"/>
+              </a:spcBef>
+              <a:spcAft>
+                <a:spcPts val="0"/>
+              </a:spcAft>
+              <a:buNone/>
+            </a:pPr>
+            <a:r>
+              <a:t>this is text 2</a:t>
+              <a:rPr sz="5000"/>
+            </a:r>
+            <a:endParaRPr/>
+          </a:p>
+        </p:txBody>
+      </p:sp>
+      <p:sp>
+        <p:nvSpPr>
+          <p:cNvPr id="55" name="Google Shape;55;p13"/>
+          <p:cNvSpPr txBox="1"/>
+          <p:nvPr>
+            <p:ph idx="1" type="subTitle"/>
+          </p:nvPr>
+        </p:nvSpPr>
+        <p:spPr>
+          <a:xfrm>
+            <a:off x="0" y="0"/>
+            <a:ext cx="8520600" cy="792600"/>
+          </a:xfrm>
+          <a:prstGeom prst="rect">
+            <a:avLst/>
+          </a:prstGeom>
+        </p:spPr>
+        <p:txBody>
+          <a:bodyPr anchorCtr="0" anchor="t" bIns="91425" lIns="91425" spcFirstLastPara="1" rIns="91425" wrap="square" tIns="91425">
+            <a:normAutofit/>
+          </a:bodyPr>
+          <a:lstStyle/>
+          <a:p>
+            <a:pPr indent="0" lvl="0" marL="0" rtl="0" algn="ctr">
+              <a:spcBef>
+                <a:spcPts val="0"/>
+              </a:spcBef>
+              <a:spcAft>
+                <a:spcPts val="0"/>
+              </a:spcAft>
+              <a:buNone/>
+            </a:pPr>
+            <a:r>
+              <a:t>this is text 3</a:t>
+              <a:rPr sz="1500">
+                <a:solidFill>
+                  <a:srgbClr val="FF0000"/>
+                </a:solidFill>
+              </a:rPr>
+            </a:r>
+            <a:endParaRPr/>
+          </a:p>
+        </p:txBody>
+      </p:sp>
+      <p:sp>
+        <p:nvSpPr>
+          <p:cNvPr id="55" name="Google Shape;55;p13"/>
+          <p:cNvSpPr txBox="1"/>
+          <p:nvPr>
+            <p:ph idx="1" type="subTitle"/>
+          </p:nvPr>
+        </p:nvSpPr>
+        <p:spPr>
+          <a:xfrm>
+            <a:off x="0" y="0"/>
+            <a:ext cx="8520600" cy="792600"/>
+          </a:xfrm>
+          <a:prstGeom prst="rect">
+            <a:avLst/>
+          </a:prstGeom>
+        </p:spPr>
+        <p:txBody>
+          <a:bodyPr anchorCtr="0" anchor="t" bIns="91425" lIns="91425" spcFirstLastPara="1" rIns="91425" wrap="square" tIns="91425">
+            <a:normAutofit/>
+          </a:bodyPr>
+          <a:lstStyle/>
+          <a:p>
+            <a:pPr indent="0" lvl="0" marL="0" rtl="0" algn="ctr">
+              <a:spcBef>
+                <a:spcPts val="0"/>
+              </a:spcBef>
+              <a:spcAft>
+                <a:spcPts val="0"/>
+              </a:spcAft>
+              <a:buNone/>
+            </a:pPr>
+            <a:r>
+              <a:t>this is text 4</a:t>
             </a:r>
             <a:endParaRPr/>
           </a:p>
